--- a/Web Design &UI/2. CSS Styling/Presentations/CSS-Overview.pptx
+++ b/Web Design &UI/2. CSS Styling/Presentations/CSS-Overview.pptx
@@ -5,10 +5,10 @@
     <p:sldMasterId id="2147483672" r:id="rId1"/>
   </p:sldMasterIdLst>
   <p:notesMasterIdLst>
-    <p:notesMasterId r:id="rId69"/>
+    <p:notesMasterId r:id="rId67"/>
   </p:notesMasterIdLst>
   <p:handoutMasterIdLst>
-    <p:handoutMasterId r:id="rId70"/>
+    <p:handoutMasterId r:id="rId68"/>
   </p:handoutMasterIdLst>
   <p:sldIdLst>
     <p:sldId id="334" r:id="rId2"/>
@@ -75,9 +75,7 @@
     <p:sldId id="395" r:id="rId63"/>
     <p:sldId id="396" r:id="rId64"/>
     <p:sldId id="400" r:id="rId65"/>
-    <p:sldId id="398" r:id="rId66"/>
-    <p:sldId id="399" r:id="rId67"/>
-    <p:sldId id="333" r:id="rId68"/>
+    <p:sldId id="333" r:id="rId66"/>
   </p:sldIdLst>
   <p:sldSz cx="9144000" cy="6858000" type="screen4x3"/>
   <p:notesSz cx="6881813" cy="9296400"/>
@@ -206,6 +204,36 @@
       </a:defRPr>
     </a:lvl9pPr>
   </p:defaultTextStyle>
+  <p:extLst>
+    <p:ext uri="{EFAFB233-063F-42B5-8137-9DF3F51BA10A}">
+      <p15:sldGuideLst xmlns:p15="http://schemas.microsoft.com/office/powerpoint/2012/main">
+        <p15:guide id="1" orient="horz" pos="2160">
+          <p15:clr>
+            <a:srgbClr val="A4A3A4"/>
+          </p15:clr>
+        </p15:guide>
+        <p15:guide id="2" pos="2880">
+          <p15:clr>
+            <a:srgbClr val="A4A3A4"/>
+          </p15:clr>
+        </p15:guide>
+      </p15:sldGuideLst>
+    </p:ext>
+    <p:ext uri="{2D200454-40CA-4A62-9FC3-DE9A4176ACB9}">
+      <p15:notesGuideLst xmlns:p15="http://schemas.microsoft.com/office/powerpoint/2012/main">
+        <p15:guide id="1" orient="horz" pos="2928">
+          <p15:clr>
+            <a:srgbClr val="A4A3A4"/>
+          </p15:clr>
+        </p15:guide>
+        <p15:guide id="2" pos="2168">
+          <p15:clr>
+            <a:srgbClr val="A4A3A4"/>
+          </p15:clr>
+        </p15:guide>
+      </p15:notesGuideLst>
+    </p:ext>
+  </p:extLst>
 </p:presentation>
 </file>
 
@@ -324,7 +352,7 @@
             <a:fld id="{3BF7C7B5-275F-4D1F-9AB4-9255447DBC73}" type="datetimeFigureOut">
               <a:rPr lang="en-US"/>
               <a:pPr/>
-              <a:t>3/31/2014</a:t>
+              <a:t>4/27/2015</a:t>
             </a:fld>
             <a:endParaRPr lang="en-US" dirty="0"/>
           </a:p>
@@ -555,7 +583,7 @@
             <a:fld id="{9B46F231-FB2B-4655-A644-E2477325E686}" type="datetimeFigureOut">
               <a:rPr lang="en-US"/>
               <a:pPr/>
-              <a:t>3/31/2014</a:t>
+              <a:t>4/27/2015</a:t>
             </a:fld>
             <a:endParaRPr lang="en-US" dirty="0"/>
           </a:p>
@@ -1054,6 +1082,11 @@
         </p:txBody>
       </p:sp>
     </p:spTree>
+    <p:extLst>
+      <p:ext uri="{BB962C8B-B14F-4D97-AF65-F5344CB8AC3E}">
+        <p14:creationId xmlns:p14="http://schemas.microsoft.com/office/powerpoint/2010/main" val="4283606796"/>
+      </p:ext>
+    </p:extLst>
   </p:cSld>
   <p:clrMapOvr>
     <a:masterClrMapping/>
@@ -6150,70 +6183,817 @@
           </a:effectLst>
         </p:spPr>
       </p:pic>
-      <p:pic>
-        <p:nvPicPr>
-          <p:cNvPr id="20" name="Picture 2"/>
-          <p:cNvPicPr>
-            <a:picLocks noChangeAspect="1" noChangeArrowheads="1"/>
-          </p:cNvPicPr>
+      <p:sp>
+        <p:nvSpPr>
+          <p:cNvPr id="11" name="Text Placeholder 6"/>
+          <p:cNvSpPr>
+            <a:spLocks noGrp="1"/>
+          </p:cNvSpPr>
           <p:nvPr/>
-        </p:nvPicPr>
-        <p:blipFill>
-          <a:blip r:embed="rId6">
-            <a:extLst>
-              <a:ext uri="{28A0092B-C50C-407E-A947-70E740481C1C}">
-                <a14:useLocalDpi xmlns:a14="http://schemas.microsoft.com/office/drawing/2010/main" val="0"/>
-              </a:ext>
-            </a:extLst>
-          </a:blip>
-          <a:srcRect/>
-          <a:stretch>
-            <a:fillRect/>
-          </a:stretch>
-        </p:blipFill>
-        <p:spPr bwMode="auto">
+        </p:nvSpPr>
+        <p:spPr>
           <a:xfrm>
-            <a:off x="164305" y="5257800"/>
-            <a:ext cx="4090987" cy="1219200"/>
+            <a:off x="429087" y="5726668"/>
+            <a:ext cx="3293516" cy="400110"/>
           </a:xfrm>
           <a:prstGeom prst="rect">
             <a:avLst/>
           </a:prstGeom>
           <a:noFill/>
-          <a:ln>
-            <a:noFill/>
-          </a:ln>
-          <a:effectLst/>
-          <a:extLst>
-            <a:ext uri="{909E8E84-426E-40DD-AFC4-6F175D3DCCD1}">
-              <a14:hiddenFill xmlns:a14="http://schemas.microsoft.com/office/drawing/2010/main">
-                <a:solidFill>
-                  <a:schemeClr val="accent1"/>
-                </a:solidFill>
-              </a14:hiddenFill>
-            </a:ext>
-            <a:ext uri="{91240B29-F687-4F45-9708-019B960494DF}">
-              <a14:hiddenLine xmlns:a14="http://schemas.microsoft.com/office/drawing/2010/main" w="9525">
-                <a:solidFill>
-                  <a:schemeClr val="tx1"/>
-                </a:solidFill>
-                <a:miter lim="800000"/>
-                <a:headEnd/>
-                <a:tailEnd/>
-              </a14:hiddenLine>
-            </a:ext>
-            <a:ext uri="{AF507438-7753-43E0-B8FC-AC1667EBCBE1}">
-              <a14:hiddenEffects xmlns:a14="http://schemas.microsoft.com/office/drawing/2010/main">
+        </p:spPr>
+        <p:txBody>
+          <a:bodyPr wrap="square" rtlCol="0">
+            <a:spAutoFit/>
+          </a:bodyPr>
+          <a:lstStyle>
+            <a:lvl1pPr marL="319088" indent="-319088" algn="l" rtl="0" eaLnBrk="0" fontAlgn="base" hangingPunct="0">
+              <a:spcBef>
+                <a:spcPct val="20000"/>
+              </a:spcBef>
+              <a:spcAft>
+                <a:spcPct val="0"/>
+              </a:spcAft>
+              <a:buClr>
+                <a:schemeClr val="accent5">
+                  <a:lumMod val="40000"/>
+                  <a:lumOff val="60000"/>
+                </a:schemeClr>
+              </a:buClr>
+              <a:buSzPct val="70000"/>
+              <a:buFont typeface="Wingdings 2" pitchFamily="18" charset="2"/>
+              <a:buNone/>
+              <a:defRPr lang="en-US" sz="2000" b="1" kern="1200" dirty="0">
+                <a:solidFill>
+                  <a:schemeClr val="tx2">
+                    <a:lumMod val="20000"/>
+                    <a:lumOff val="80000"/>
+                  </a:schemeClr>
+                </a:solidFill>
                 <a:effectLst>
-                  <a:outerShdw dist="35921" dir="2700000" algn="ctr" rotWithShape="0">
-                    <a:schemeClr val="bg2"/>
+                  <a:outerShdw blurRad="38100" dist="38100" dir="2700000" algn="tl">
+                    <a:srgbClr val="000000">
+                      <a:alpha val="43137"/>
+                    </a:srgbClr>
                   </a:outerShdw>
                 </a:effectLst>
-              </a14:hiddenEffects>
-            </a:ext>
-          </a:extLst>
+                <a:latin typeface="Corbel" pitchFamily="34" charset="0"/>
+                <a:ea typeface="+mn-ea"/>
+                <a:cs typeface="+mn-cs"/>
+              </a:defRPr>
+            </a:lvl1pPr>
+            <a:lvl2pPr marL="630238" indent="-273050" algn="l" rtl="0" eaLnBrk="0" fontAlgn="base" hangingPunct="0">
+              <a:spcBef>
+                <a:spcPct val="20000"/>
+              </a:spcBef>
+              <a:spcAft>
+                <a:spcPct val="0"/>
+              </a:spcAft>
+              <a:buClr>
+                <a:schemeClr val="accent2">
+                  <a:lumMod val="60000"/>
+                  <a:lumOff val="40000"/>
+                </a:schemeClr>
+              </a:buClr>
+              <a:buFont typeface="Wingdings 2" pitchFamily="18" charset="2"/>
+              <a:buChar char=""/>
+              <a:defRPr sz="3000" b="1" kern="1200">
+                <a:solidFill>
+                  <a:schemeClr val="tx1">
+                    <a:lumMod val="20000"/>
+                    <a:lumOff val="80000"/>
+                  </a:schemeClr>
+                </a:solidFill>
+                <a:effectLst>
+                  <a:outerShdw blurRad="38100" dist="38100" dir="2700000" algn="tl">
+                    <a:srgbClr val="000000">
+                      <a:alpha val="43137"/>
+                    </a:srgbClr>
+                  </a:outerShdw>
+                </a:effectLst>
+                <a:latin typeface="+mn-lt"/>
+                <a:ea typeface="+mn-ea"/>
+                <a:cs typeface="+mn-cs"/>
+              </a:defRPr>
+            </a:lvl2pPr>
+            <a:lvl3pPr marL="922338" indent="-273050" algn="l" rtl="0" eaLnBrk="0" fontAlgn="base" hangingPunct="0">
+              <a:spcBef>
+                <a:spcPct val="20000"/>
+              </a:spcBef>
+              <a:spcAft>
+                <a:spcPct val="0"/>
+              </a:spcAft>
+              <a:buClr>
+                <a:schemeClr val="tx1">
+                  <a:lumMod val="50000"/>
+                </a:schemeClr>
+              </a:buClr>
+              <a:buFont typeface="Wingdings 2" pitchFamily="18" charset="2"/>
+              <a:buChar char=""/>
+              <a:defRPr sz="2800" b="1" kern="1200">
+                <a:solidFill>
+                  <a:schemeClr val="tx1">
+                    <a:lumMod val="20000"/>
+                    <a:lumOff val="80000"/>
+                  </a:schemeClr>
+                </a:solidFill>
+                <a:effectLst>
+                  <a:outerShdw blurRad="38100" dist="38100" dir="2700000" algn="tl">
+                    <a:srgbClr val="000000">
+                      <a:alpha val="43137"/>
+                    </a:srgbClr>
+                  </a:outerShdw>
+                </a:effectLst>
+                <a:latin typeface="+mn-lt"/>
+                <a:ea typeface="+mn-ea"/>
+                <a:cs typeface="+mn-cs"/>
+              </a:defRPr>
+            </a:lvl3pPr>
+            <a:lvl4pPr marL="1187450" indent="-228600" algn="l" rtl="0" eaLnBrk="0" fontAlgn="base" hangingPunct="0">
+              <a:spcBef>
+                <a:spcPct val="20000"/>
+              </a:spcBef>
+              <a:spcAft>
+                <a:spcPct val="0"/>
+              </a:spcAft>
+              <a:buClr>
+                <a:srgbClr val="F8BD52"/>
+              </a:buClr>
+              <a:buFont typeface="Wingdings 2" pitchFamily="18" charset="2"/>
+              <a:buChar char=""/>
+              <a:defRPr sz="2600" b="1" kern="1200">
+                <a:solidFill>
+                  <a:schemeClr val="tx1">
+                    <a:lumMod val="20000"/>
+                    <a:lumOff val="80000"/>
+                  </a:schemeClr>
+                </a:solidFill>
+                <a:effectLst>
+                  <a:outerShdw blurRad="38100" dist="38100" dir="2700000" algn="tl">
+                    <a:srgbClr val="000000">
+                      <a:alpha val="43137"/>
+                    </a:srgbClr>
+                  </a:outerShdw>
+                </a:effectLst>
+                <a:latin typeface="+mn-lt"/>
+                <a:ea typeface="+mn-ea"/>
+                <a:cs typeface="+mn-cs"/>
+              </a:defRPr>
+            </a:lvl4pPr>
+            <a:lvl5pPr marL="1425575" indent="-228600" algn="l" rtl="0" eaLnBrk="0" fontAlgn="base" hangingPunct="0">
+              <a:spcBef>
+                <a:spcPct val="20000"/>
+              </a:spcBef>
+              <a:spcAft>
+                <a:spcPct val="0"/>
+              </a:spcAft>
+              <a:buClr>
+                <a:srgbClr val="46A6BD"/>
+              </a:buClr>
+              <a:buFont typeface="Wingdings 2" pitchFamily="18" charset="2"/>
+              <a:buChar char=""/>
+              <a:defRPr sz="2400" b="1" kern="1200">
+                <a:solidFill>
+                  <a:schemeClr val="tx1">
+                    <a:lumMod val="20000"/>
+                    <a:lumOff val="80000"/>
+                  </a:schemeClr>
+                </a:solidFill>
+                <a:effectLst>
+                  <a:outerShdw blurRad="38100" dist="38100" dir="2700000" algn="tl">
+                    <a:srgbClr val="000000">
+                      <a:alpha val="43137"/>
+                    </a:srgbClr>
+                  </a:outerShdw>
+                </a:effectLst>
+                <a:latin typeface="+mn-lt"/>
+                <a:ea typeface="+mn-ea"/>
+                <a:cs typeface="+mn-cs"/>
+              </a:defRPr>
+            </a:lvl5pPr>
+            <a:lvl6pPr marL="1673352" indent="-228600" algn="l" rtl="0" eaLnBrk="1" latinLnBrk="0" hangingPunct="1">
+              <a:spcBef>
+                <a:spcPct val="20000"/>
+              </a:spcBef>
+              <a:buClr>
+                <a:schemeClr val="accent6"/>
+              </a:buClr>
+              <a:buFont typeface="Wingdings 2"/>
+              <a:buChar char=""/>
+              <a:defRPr sz="1800" kern="1200">
+                <a:solidFill>
+                  <a:schemeClr val="tx1"/>
+                </a:solidFill>
+                <a:latin typeface="+mn-lt"/>
+                <a:ea typeface="+mn-ea"/>
+                <a:cs typeface="+mn-cs"/>
+              </a:defRPr>
+            </a:lvl6pPr>
+            <a:lvl7pPr marL="1911096" indent="-228600" algn="l" rtl="0" eaLnBrk="1" latinLnBrk="0" hangingPunct="1">
+              <a:spcBef>
+                <a:spcPct val="20000"/>
+              </a:spcBef>
+              <a:buClr>
+                <a:schemeClr val="tx2"/>
+              </a:buClr>
+              <a:buFont typeface="Wingdings 2"/>
+              <a:buChar char=""/>
+              <a:defRPr sz="1600" kern="1200">
+                <a:solidFill>
+                  <a:schemeClr val="tx1"/>
+                </a:solidFill>
+                <a:latin typeface="+mn-lt"/>
+                <a:ea typeface="+mn-ea"/>
+                <a:cs typeface="+mn-cs"/>
+              </a:defRPr>
+            </a:lvl7pPr>
+            <a:lvl8pPr marL="2121408" indent="-182880" algn="l" rtl="0" eaLnBrk="1" latinLnBrk="0" hangingPunct="1">
+              <a:spcBef>
+                <a:spcPct val="20000"/>
+              </a:spcBef>
+              <a:buClr>
+                <a:schemeClr val="tx2"/>
+              </a:buClr>
+              <a:buFont typeface="Wingdings 2"/>
+              <a:buChar char=""/>
+              <a:defRPr sz="1400" kern="1200">
+                <a:solidFill>
+                  <a:schemeClr val="tx1"/>
+                </a:solidFill>
+                <a:latin typeface="+mn-lt"/>
+                <a:ea typeface="+mn-ea"/>
+                <a:cs typeface="+mn-cs"/>
+              </a:defRPr>
+            </a:lvl8pPr>
+            <a:lvl9pPr marL="2322576" indent="-182880" algn="l" rtl="0" eaLnBrk="1" latinLnBrk="0" hangingPunct="1">
+              <a:spcBef>
+                <a:spcPct val="20000"/>
+              </a:spcBef>
+              <a:buClr>
+                <a:schemeClr val="tx2"/>
+              </a:buClr>
+              <a:buFont typeface="Wingdings 2"/>
+              <a:buChar char=""/>
+              <a:defRPr sz="1400" kern="1200">
+                <a:solidFill>
+                  <a:schemeClr val="tx1"/>
+                </a:solidFill>
+                <a:latin typeface="+mn-lt"/>
+                <a:ea typeface="+mn-ea"/>
+                <a:cs typeface="+mn-cs"/>
+              </a:defRPr>
+            </a:lvl9pPr>
+          </a:lstStyle>
+          <a:p>
+            <a:r>
+              <a:rPr lang="en-US" dirty="0"/>
+              <a:t>Telerik Software Academy</a:t>
+            </a:r>
+          </a:p>
+        </p:txBody>
+      </p:sp>
+      <p:sp>
+        <p:nvSpPr>
+          <p:cNvPr id="12" name="Text Placeholder 7"/>
+          <p:cNvSpPr>
+            <a:spLocks noGrp="1"/>
+          </p:cNvSpPr>
+          <p:nvPr/>
+        </p:nvSpPr>
+        <p:spPr>
+          <a:xfrm>
+            <a:off x="429088" y="6031468"/>
+            <a:ext cx="3293516" cy="369332"/>
+          </a:xfrm>
+          <a:prstGeom prst="rect">
+            <a:avLst/>
+          </a:prstGeom>
+          <a:noFill/>
         </p:spPr>
-      </p:pic>
+        <p:txBody>
+          <a:bodyPr wrap="square" rtlCol="0">
+            <a:spAutoFit/>
+          </a:bodyPr>
+          <a:lstStyle>
+            <a:lvl1pPr marL="319088" indent="-319088" algn="l" rtl="0" eaLnBrk="0" fontAlgn="base" hangingPunct="0">
+              <a:spcBef>
+                <a:spcPct val="20000"/>
+              </a:spcBef>
+              <a:spcAft>
+                <a:spcPct val="0"/>
+              </a:spcAft>
+              <a:buClr>
+                <a:schemeClr val="accent5">
+                  <a:lumMod val="40000"/>
+                  <a:lumOff val="60000"/>
+                </a:schemeClr>
+              </a:buClr>
+              <a:buSzPct val="70000"/>
+              <a:buFont typeface="Wingdings 2" pitchFamily="18" charset="2"/>
+              <a:buNone/>
+              <a:defRPr lang="en-US" sz="1800" b="1" kern="1200" dirty="0">
+                <a:solidFill>
+                  <a:schemeClr val="tx2">
+                    <a:lumMod val="20000"/>
+                    <a:lumOff val="80000"/>
+                  </a:schemeClr>
+                </a:solidFill>
+                <a:effectLst>
+                  <a:outerShdw blurRad="38100" dist="38100" dir="2700000" algn="tl">
+                    <a:srgbClr val="000000">
+                      <a:alpha val="43137"/>
+                    </a:srgbClr>
+                  </a:outerShdw>
+                </a:effectLst>
+                <a:latin typeface="Corbel" pitchFamily="34" charset="0"/>
+                <a:ea typeface="+mn-ea"/>
+                <a:cs typeface="+mn-cs"/>
+              </a:defRPr>
+            </a:lvl1pPr>
+            <a:lvl2pPr marL="630238" indent="-273050" algn="l" rtl="0" eaLnBrk="0" fontAlgn="base" hangingPunct="0">
+              <a:spcBef>
+                <a:spcPct val="20000"/>
+              </a:spcBef>
+              <a:spcAft>
+                <a:spcPct val="0"/>
+              </a:spcAft>
+              <a:buClr>
+                <a:schemeClr val="accent2">
+                  <a:lumMod val="60000"/>
+                  <a:lumOff val="40000"/>
+                </a:schemeClr>
+              </a:buClr>
+              <a:buFont typeface="Wingdings 2" pitchFamily="18" charset="2"/>
+              <a:buChar char=""/>
+              <a:defRPr sz="3000" b="1" kern="1200">
+                <a:solidFill>
+                  <a:schemeClr val="tx1">
+                    <a:lumMod val="20000"/>
+                    <a:lumOff val="80000"/>
+                  </a:schemeClr>
+                </a:solidFill>
+                <a:effectLst>
+                  <a:outerShdw blurRad="38100" dist="38100" dir="2700000" algn="tl">
+                    <a:srgbClr val="000000">
+                      <a:alpha val="43137"/>
+                    </a:srgbClr>
+                  </a:outerShdw>
+                </a:effectLst>
+                <a:latin typeface="+mn-lt"/>
+                <a:ea typeface="+mn-ea"/>
+                <a:cs typeface="+mn-cs"/>
+              </a:defRPr>
+            </a:lvl2pPr>
+            <a:lvl3pPr marL="922338" indent="-273050" algn="l" rtl="0" eaLnBrk="0" fontAlgn="base" hangingPunct="0">
+              <a:spcBef>
+                <a:spcPct val="20000"/>
+              </a:spcBef>
+              <a:spcAft>
+                <a:spcPct val="0"/>
+              </a:spcAft>
+              <a:buClr>
+                <a:schemeClr val="tx1">
+                  <a:lumMod val="50000"/>
+                </a:schemeClr>
+              </a:buClr>
+              <a:buFont typeface="Wingdings 2" pitchFamily="18" charset="2"/>
+              <a:buChar char=""/>
+              <a:defRPr sz="2800" b="1" kern="1200">
+                <a:solidFill>
+                  <a:schemeClr val="tx1">
+                    <a:lumMod val="20000"/>
+                    <a:lumOff val="80000"/>
+                  </a:schemeClr>
+                </a:solidFill>
+                <a:effectLst>
+                  <a:outerShdw blurRad="38100" dist="38100" dir="2700000" algn="tl">
+                    <a:srgbClr val="000000">
+                      <a:alpha val="43137"/>
+                    </a:srgbClr>
+                  </a:outerShdw>
+                </a:effectLst>
+                <a:latin typeface="+mn-lt"/>
+                <a:ea typeface="+mn-ea"/>
+                <a:cs typeface="+mn-cs"/>
+              </a:defRPr>
+            </a:lvl3pPr>
+            <a:lvl4pPr marL="1187450" indent="-228600" algn="l" rtl="0" eaLnBrk="0" fontAlgn="base" hangingPunct="0">
+              <a:spcBef>
+                <a:spcPct val="20000"/>
+              </a:spcBef>
+              <a:spcAft>
+                <a:spcPct val="0"/>
+              </a:spcAft>
+              <a:buClr>
+                <a:srgbClr val="F8BD52"/>
+              </a:buClr>
+              <a:buFont typeface="Wingdings 2" pitchFamily="18" charset="2"/>
+              <a:buChar char=""/>
+              <a:defRPr sz="2600" b="1" kern="1200">
+                <a:solidFill>
+                  <a:schemeClr val="tx1">
+                    <a:lumMod val="20000"/>
+                    <a:lumOff val="80000"/>
+                  </a:schemeClr>
+                </a:solidFill>
+                <a:effectLst>
+                  <a:outerShdw blurRad="38100" dist="38100" dir="2700000" algn="tl">
+                    <a:srgbClr val="000000">
+                      <a:alpha val="43137"/>
+                    </a:srgbClr>
+                  </a:outerShdw>
+                </a:effectLst>
+                <a:latin typeface="+mn-lt"/>
+                <a:ea typeface="+mn-ea"/>
+                <a:cs typeface="+mn-cs"/>
+              </a:defRPr>
+            </a:lvl4pPr>
+            <a:lvl5pPr marL="1425575" indent="-228600" algn="l" rtl="0" eaLnBrk="0" fontAlgn="base" hangingPunct="0">
+              <a:spcBef>
+                <a:spcPct val="20000"/>
+              </a:spcBef>
+              <a:spcAft>
+                <a:spcPct val="0"/>
+              </a:spcAft>
+              <a:buClr>
+                <a:srgbClr val="46A6BD"/>
+              </a:buClr>
+              <a:buFont typeface="Wingdings 2" pitchFamily="18" charset="2"/>
+              <a:buChar char=""/>
+              <a:defRPr sz="2400" b="1" kern="1200">
+                <a:solidFill>
+                  <a:schemeClr val="tx1">
+                    <a:lumMod val="20000"/>
+                    <a:lumOff val="80000"/>
+                  </a:schemeClr>
+                </a:solidFill>
+                <a:effectLst>
+                  <a:outerShdw blurRad="38100" dist="38100" dir="2700000" algn="tl">
+                    <a:srgbClr val="000000">
+                      <a:alpha val="43137"/>
+                    </a:srgbClr>
+                  </a:outerShdw>
+                </a:effectLst>
+                <a:latin typeface="+mn-lt"/>
+                <a:ea typeface="+mn-ea"/>
+                <a:cs typeface="+mn-cs"/>
+              </a:defRPr>
+            </a:lvl5pPr>
+            <a:lvl6pPr marL="1673352" indent="-228600" algn="l" rtl="0" eaLnBrk="1" latinLnBrk="0" hangingPunct="1">
+              <a:spcBef>
+                <a:spcPct val="20000"/>
+              </a:spcBef>
+              <a:buClr>
+                <a:schemeClr val="accent6"/>
+              </a:buClr>
+              <a:buFont typeface="Wingdings 2"/>
+              <a:buChar char=""/>
+              <a:defRPr sz="1800" kern="1200">
+                <a:solidFill>
+                  <a:schemeClr val="tx1"/>
+                </a:solidFill>
+                <a:latin typeface="+mn-lt"/>
+                <a:ea typeface="+mn-ea"/>
+                <a:cs typeface="+mn-cs"/>
+              </a:defRPr>
+            </a:lvl6pPr>
+            <a:lvl7pPr marL="1911096" indent="-228600" algn="l" rtl="0" eaLnBrk="1" latinLnBrk="0" hangingPunct="1">
+              <a:spcBef>
+                <a:spcPct val="20000"/>
+              </a:spcBef>
+              <a:buClr>
+                <a:schemeClr val="tx2"/>
+              </a:buClr>
+              <a:buFont typeface="Wingdings 2"/>
+              <a:buChar char=""/>
+              <a:defRPr sz="1600" kern="1200">
+                <a:solidFill>
+                  <a:schemeClr val="tx1"/>
+                </a:solidFill>
+                <a:latin typeface="+mn-lt"/>
+                <a:ea typeface="+mn-ea"/>
+                <a:cs typeface="+mn-cs"/>
+              </a:defRPr>
+            </a:lvl7pPr>
+            <a:lvl8pPr marL="2121408" indent="-182880" algn="l" rtl="0" eaLnBrk="1" latinLnBrk="0" hangingPunct="1">
+              <a:spcBef>
+                <a:spcPct val="20000"/>
+              </a:spcBef>
+              <a:buClr>
+                <a:schemeClr val="tx2"/>
+              </a:buClr>
+              <a:buFont typeface="Wingdings 2"/>
+              <a:buChar char=""/>
+              <a:defRPr sz="1400" kern="1200">
+                <a:solidFill>
+                  <a:schemeClr val="tx1"/>
+                </a:solidFill>
+                <a:latin typeface="+mn-lt"/>
+                <a:ea typeface="+mn-ea"/>
+                <a:cs typeface="+mn-cs"/>
+              </a:defRPr>
+            </a:lvl8pPr>
+            <a:lvl9pPr marL="2322576" indent="-182880" algn="l" rtl="0" eaLnBrk="1" latinLnBrk="0" hangingPunct="1">
+              <a:spcBef>
+                <a:spcPct val="20000"/>
+              </a:spcBef>
+              <a:buClr>
+                <a:schemeClr val="tx2"/>
+              </a:buClr>
+              <a:buFont typeface="Wingdings 2"/>
+              <a:buChar char=""/>
+              <a:defRPr sz="1400" kern="1200">
+                <a:solidFill>
+                  <a:schemeClr val="tx1"/>
+                </a:solidFill>
+                <a:latin typeface="+mn-lt"/>
+                <a:ea typeface="+mn-ea"/>
+                <a:cs typeface="+mn-cs"/>
+              </a:defRPr>
+            </a:lvl9pPr>
+          </a:lstStyle>
+          <a:p>
+            <a:r>
+              <a:rPr lang="en-US" dirty="0" smtClean="0">
+                <a:hlinkClick r:id="rId6"/>
+              </a:rPr>
+              <a:t>http://academy.telerik.com</a:t>
+            </a:r>
+            <a:r>
+              <a:rPr lang="en-US" dirty="0" smtClean="0"/>
+              <a:t> </a:t>
+            </a:r>
+            <a:endParaRPr lang="en-US" dirty="0"/>
+          </a:p>
+        </p:txBody>
+      </p:sp>
+      <p:sp>
+        <p:nvSpPr>
+          <p:cNvPr id="13" name="Text Placeholder 13"/>
+          <p:cNvSpPr>
+            <a:spLocks noGrp="1"/>
+          </p:cNvSpPr>
+          <p:nvPr/>
+        </p:nvSpPr>
+        <p:spPr>
+          <a:xfrm>
+            <a:off x="429087" y="5352025"/>
+            <a:ext cx="3293515" cy="461665"/>
+          </a:xfrm>
+          <a:prstGeom prst="rect">
+            <a:avLst/>
+          </a:prstGeom>
+          <a:noFill/>
+        </p:spPr>
+        <p:txBody>
+          <a:bodyPr wrap="square" rtlCol="0">
+            <a:spAutoFit/>
+          </a:bodyPr>
+          <a:lstStyle>
+            <a:lvl1pPr marL="0" indent="0" algn="l" rtl="0" eaLnBrk="0" fontAlgn="base" hangingPunct="0">
+              <a:spcBef>
+                <a:spcPct val="20000"/>
+              </a:spcBef>
+              <a:spcAft>
+                <a:spcPct val="0"/>
+              </a:spcAft>
+              <a:buClr>
+                <a:schemeClr val="accent5">
+                  <a:lumMod val="40000"/>
+                  <a:lumOff val="60000"/>
+                </a:schemeClr>
+              </a:buClr>
+              <a:buSzPct val="70000"/>
+              <a:buFont typeface="Wingdings 2" pitchFamily="18" charset="2"/>
+              <a:buNone/>
+              <a:defRPr lang="en-US" sz="2400" b="1" kern="1200" dirty="0">
+                <a:solidFill>
+                  <a:schemeClr val="tx2">
+                    <a:lumMod val="50000"/>
+                  </a:schemeClr>
+                </a:solidFill>
+                <a:effectLst>
+                  <a:outerShdw blurRad="38100" dist="38100" dir="2700000" algn="tl">
+                    <a:srgbClr val="000000">
+                      <a:alpha val="43137"/>
+                    </a:srgbClr>
+                  </a:outerShdw>
+                </a:effectLst>
+                <a:latin typeface="Corbel" pitchFamily="34" charset="0"/>
+                <a:ea typeface="+mn-ea"/>
+                <a:cs typeface="+mn-cs"/>
+              </a:defRPr>
+            </a:lvl1pPr>
+            <a:lvl2pPr marL="630238" indent="-273050" algn="l" rtl="0" eaLnBrk="0" fontAlgn="base" hangingPunct="0">
+              <a:spcBef>
+                <a:spcPct val="20000"/>
+              </a:spcBef>
+              <a:spcAft>
+                <a:spcPct val="0"/>
+              </a:spcAft>
+              <a:buClr>
+                <a:schemeClr val="accent2">
+                  <a:lumMod val="60000"/>
+                  <a:lumOff val="40000"/>
+                </a:schemeClr>
+              </a:buClr>
+              <a:buFont typeface="Wingdings 2" pitchFamily="18" charset="2"/>
+              <a:buChar char=""/>
+              <a:defRPr sz="3000" b="1" kern="1200">
+                <a:solidFill>
+                  <a:schemeClr val="tx1">
+                    <a:lumMod val="20000"/>
+                    <a:lumOff val="80000"/>
+                  </a:schemeClr>
+                </a:solidFill>
+                <a:effectLst>
+                  <a:outerShdw blurRad="38100" dist="38100" dir="2700000" algn="tl">
+                    <a:srgbClr val="000000">
+                      <a:alpha val="43137"/>
+                    </a:srgbClr>
+                  </a:outerShdw>
+                </a:effectLst>
+                <a:latin typeface="+mn-lt"/>
+                <a:ea typeface="+mn-ea"/>
+                <a:cs typeface="+mn-cs"/>
+              </a:defRPr>
+            </a:lvl2pPr>
+            <a:lvl3pPr marL="922338" indent="-273050" algn="l" rtl="0" eaLnBrk="0" fontAlgn="base" hangingPunct="0">
+              <a:spcBef>
+                <a:spcPct val="20000"/>
+              </a:spcBef>
+              <a:spcAft>
+                <a:spcPct val="0"/>
+              </a:spcAft>
+              <a:buClr>
+                <a:schemeClr val="tx1">
+                  <a:lumMod val="50000"/>
+                </a:schemeClr>
+              </a:buClr>
+              <a:buFont typeface="Wingdings 2" pitchFamily="18" charset="2"/>
+              <a:buChar char=""/>
+              <a:defRPr sz="2800" b="1" kern="1200">
+                <a:solidFill>
+                  <a:schemeClr val="tx1">
+                    <a:lumMod val="20000"/>
+                    <a:lumOff val="80000"/>
+                  </a:schemeClr>
+                </a:solidFill>
+                <a:effectLst>
+                  <a:outerShdw blurRad="38100" dist="38100" dir="2700000" algn="tl">
+                    <a:srgbClr val="000000">
+                      <a:alpha val="43137"/>
+                    </a:srgbClr>
+                  </a:outerShdw>
+                </a:effectLst>
+                <a:latin typeface="+mn-lt"/>
+                <a:ea typeface="+mn-ea"/>
+                <a:cs typeface="+mn-cs"/>
+              </a:defRPr>
+            </a:lvl3pPr>
+            <a:lvl4pPr marL="1187450" indent="-228600" algn="l" rtl="0" eaLnBrk="0" fontAlgn="base" hangingPunct="0">
+              <a:spcBef>
+                <a:spcPct val="20000"/>
+              </a:spcBef>
+              <a:spcAft>
+                <a:spcPct val="0"/>
+              </a:spcAft>
+              <a:buClr>
+                <a:srgbClr val="F8BD52"/>
+              </a:buClr>
+              <a:buFont typeface="Wingdings 2" pitchFamily="18" charset="2"/>
+              <a:buChar char=""/>
+              <a:defRPr sz="2600" b="1" kern="1200">
+                <a:solidFill>
+                  <a:schemeClr val="tx1">
+                    <a:lumMod val="20000"/>
+                    <a:lumOff val="80000"/>
+                  </a:schemeClr>
+                </a:solidFill>
+                <a:effectLst>
+                  <a:outerShdw blurRad="38100" dist="38100" dir="2700000" algn="tl">
+                    <a:srgbClr val="000000">
+                      <a:alpha val="43137"/>
+                    </a:srgbClr>
+                  </a:outerShdw>
+                </a:effectLst>
+                <a:latin typeface="+mn-lt"/>
+                <a:ea typeface="+mn-ea"/>
+                <a:cs typeface="+mn-cs"/>
+              </a:defRPr>
+            </a:lvl4pPr>
+            <a:lvl5pPr marL="1425575" indent="-228600" algn="l" rtl="0" eaLnBrk="0" fontAlgn="base" hangingPunct="0">
+              <a:spcBef>
+                <a:spcPct val="20000"/>
+              </a:spcBef>
+              <a:spcAft>
+                <a:spcPct val="0"/>
+              </a:spcAft>
+              <a:buClr>
+                <a:srgbClr val="46A6BD"/>
+              </a:buClr>
+              <a:buFont typeface="Wingdings 2" pitchFamily="18" charset="2"/>
+              <a:buChar char=""/>
+              <a:defRPr sz="2400" b="1" kern="1200">
+                <a:solidFill>
+                  <a:schemeClr val="tx1">
+                    <a:lumMod val="20000"/>
+                    <a:lumOff val="80000"/>
+                  </a:schemeClr>
+                </a:solidFill>
+                <a:effectLst>
+                  <a:outerShdw blurRad="38100" dist="38100" dir="2700000" algn="tl">
+                    <a:srgbClr val="000000">
+                      <a:alpha val="43137"/>
+                    </a:srgbClr>
+                  </a:outerShdw>
+                </a:effectLst>
+                <a:latin typeface="+mn-lt"/>
+                <a:ea typeface="+mn-ea"/>
+                <a:cs typeface="+mn-cs"/>
+              </a:defRPr>
+            </a:lvl5pPr>
+            <a:lvl6pPr marL="1673352" indent="-228600" algn="l" rtl="0" eaLnBrk="1" latinLnBrk="0" hangingPunct="1">
+              <a:spcBef>
+                <a:spcPct val="20000"/>
+              </a:spcBef>
+              <a:buClr>
+                <a:schemeClr val="accent6"/>
+              </a:buClr>
+              <a:buFont typeface="Wingdings 2"/>
+              <a:buChar char=""/>
+              <a:defRPr sz="1800" kern="1200">
+                <a:solidFill>
+                  <a:schemeClr val="tx1"/>
+                </a:solidFill>
+                <a:latin typeface="+mn-lt"/>
+                <a:ea typeface="+mn-ea"/>
+                <a:cs typeface="+mn-cs"/>
+              </a:defRPr>
+            </a:lvl6pPr>
+            <a:lvl7pPr marL="1911096" indent="-228600" algn="l" rtl="0" eaLnBrk="1" latinLnBrk="0" hangingPunct="1">
+              <a:spcBef>
+                <a:spcPct val="20000"/>
+              </a:spcBef>
+              <a:buClr>
+                <a:schemeClr val="tx2"/>
+              </a:buClr>
+              <a:buFont typeface="Wingdings 2"/>
+              <a:buChar char=""/>
+              <a:defRPr sz="1600" kern="1200">
+                <a:solidFill>
+                  <a:schemeClr val="tx1"/>
+                </a:solidFill>
+                <a:latin typeface="+mn-lt"/>
+                <a:ea typeface="+mn-ea"/>
+                <a:cs typeface="+mn-cs"/>
+              </a:defRPr>
+            </a:lvl7pPr>
+            <a:lvl8pPr marL="2121408" indent="-182880" algn="l" rtl="0" eaLnBrk="1" latinLnBrk="0" hangingPunct="1">
+              <a:spcBef>
+                <a:spcPct val="20000"/>
+              </a:spcBef>
+              <a:buClr>
+                <a:schemeClr val="tx2"/>
+              </a:buClr>
+              <a:buFont typeface="Wingdings 2"/>
+              <a:buChar char=""/>
+              <a:defRPr sz="1400" kern="1200">
+                <a:solidFill>
+                  <a:schemeClr val="tx1"/>
+                </a:solidFill>
+                <a:latin typeface="+mn-lt"/>
+                <a:ea typeface="+mn-ea"/>
+                <a:cs typeface="+mn-cs"/>
+              </a:defRPr>
+            </a:lvl8pPr>
+            <a:lvl9pPr marL="2322576" indent="-182880" algn="l" rtl="0" eaLnBrk="1" latinLnBrk="0" hangingPunct="1">
+              <a:spcBef>
+                <a:spcPct val="20000"/>
+              </a:spcBef>
+              <a:buClr>
+                <a:schemeClr val="tx2"/>
+              </a:buClr>
+              <a:buFont typeface="Wingdings 2"/>
+              <a:buChar char=""/>
+              <a:defRPr sz="1400" kern="1200">
+                <a:solidFill>
+                  <a:schemeClr val="tx1"/>
+                </a:solidFill>
+                <a:latin typeface="+mn-lt"/>
+                <a:ea typeface="+mn-ea"/>
+                <a:cs typeface="+mn-cs"/>
+              </a:defRPr>
+            </a:lvl9pPr>
+          </a:lstStyle>
+          <a:p>
+            <a:r>
+              <a:rPr lang="en-US" dirty="0" smtClean="0"/>
+              <a:t>CSS</a:t>
+            </a:r>
+            <a:endParaRPr lang="en-US" dirty="0"/>
+          </a:p>
+        </p:txBody>
+      </p:sp>
     </p:spTree>
     <p:extLst>
       <p:ext uri="{BB962C8B-B14F-4D97-AF65-F5344CB8AC3E}">
@@ -29928,912 +30708,6 @@
 </file>
 
 <file path=ppt/slides/slide65.xml><?xml version="1.0" encoding="utf-8"?>
-<p:sld xmlns:a="http://schemas.openxmlformats.org/drawingml/2006/main" xmlns:r="http://schemas.openxmlformats.org/officeDocument/2006/relationships" xmlns:p="http://schemas.openxmlformats.org/presentationml/2006/main">
-  <p:cSld>
-    <p:spTree>
-      <p:nvGrpSpPr>
-        <p:cNvPr id="1" name=""/>
-        <p:cNvGrpSpPr/>
-        <p:nvPr/>
-      </p:nvGrpSpPr>
-      <p:grpSpPr>
-        <a:xfrm>
-          <a:off x="0" y="0"/>
-          <a:ext cx="0" cy="0"/>
-          <a:chOff x="0" y="0"/>
-          <a:chExt cx="0" cy="0"/>
-        </a:xfrm>
-      </p:grpSpPr>
-      <p:sp>
-        <p:nvSpPr>
-          <p:cNvPr id="6" name="Rectangle 2"/>
-          <p:cNvSpPr>
-            <a:spLocks noGrp="1" noChangeArrowheads="1"/>
-          </p:cNvSpPr>
-          <p:nvPr>
-            <p:ph type="title"/>
-          </p:nvPr>
-        </p:nvSpPr>
-        <p:spPr/>
-        <p:txBody>
-          <a:bodyPr/>
-          <a:lstStyle/>
-          <a:p>
-            <a:pPr>
-              <a:defRPr/>
-            </a:pPr>
-            <a:r>
-              <a:rPr lang="en-US" dirty="0"/>
-              <a:t>Homework</a:t>
-            </a:r>
-            <a:endParaRPr lang="bg-BG" dirty="0" smtClean="0"/>
-          </a:p>
-        </p:txBody>
-      </p:sp>
-      <p:sp>
-        <p:nvSpPr>
-          <p:cNvPr id="4" name="Slide Number Placeholder 3"/>
-          <p:cNvSpPr>
-            <a:spLocks noGrp="1"/>
-          </p:cNvSpPr>
-          <p:nvPr>
-            <p:ph type="sldNum" sz="quarter" idx="10"/>
-          </p:nvPr>
-        </p:nvSpPr>
-        <p:spPr/>
-        <p:txBody>
-          <a:bodyPr/>
-          <a:lstStyle/>
-          <a:p>
-            <a:pPr>
-              <a:defRPr/>
-            </a:pPr>
-            <a:fld id="{58452FF4-89E3-4D1B-9927-2DBDC00E58D7}" type="slidenum">
-              <a:rPr lang="en-US" smtClean="0"/>
-              <a:pPr>
-                <a:defRPr/>
-              </a:pPr>
-              <a:t>65</a:t>
-            </a:fld>
-            <a:endParaRPr lang="en-US" dirty="0"/>
-          </a:p>
-        </p:txBody>
-      </p:sp>
-      <p:sp>
-        <p:nvSpPr>
-          <p:cNvPr id="8" name="Content Placeholder 2"/>
-          <p:cNvSpPr txBox="1">
-            <a:spLocks/>
-          </p:cNvSpPr>
-          <p:nvPr/>
-        </p:nvSpPr>
-        <p:spPr>
-          <a:xfrm>
-            <a:off x="228600" y="990600"/>
-            <a:ext cx="8686800" cy="5486400"/>
-          </a:xfrm>
-          <a:prstGeom prst="rect">
-            <a:avLst/>
-          </a:prstGeom>
-        </p:spPr>
-        <p:txBody>
-          <a:bodyPr/>
-          <a:lstStyle>
-            <a:lvl1pPr marL="282575" indent="-282575" algn="l" rtl="0" eaLnBrk="1" fontAlgn="base" hangingPunct="1">
-              <a:lnSpc>
-                <a:spcPts val="3800"/>
-              </a:lnSpc>
-              <a:spcBef>
-                <a:spcPts val="600"/>
-              </a:spcBef>
-              <a:spcAft>
-                <a:spcPts val="600"/>
-              </a:spcAft>
-              <a:buClr>
-                <a:schemeClr val="accent5">
-                  <a:lumMod val="40000"/>
-                  <a:lumOff val="60000"/>
-                </a:schemeClr>
-              </a:buClr>
-              <a:buSzPct val="70000"/>
-              <a:buFont typeface="Wingdings 2" pitchFamily="18" charset="2"/>
-              <a:buChar char=""/>
-              <a:tabLst>
-                <a:tab pos="282575" algn="l"/>
-              </a:tabLst>
-              <a:defRPr sz="3200" b="1" kern="1200">
-                <a:solidFill>
-                  <a:srgbClr val="EBFFD2"/>
-                </a:solidFill>
-                <a:effectLst>
-                  <a:outerShdw blurRad="38100" dist="38100" dir="2700000" algn="tl">
-                    <a:srgbClr val="000000">
-                      <a:alpha val="43137"/>
-                    </a:srgbClr>
-                  </a:outerShdw>
-                </a:effectLst>
-                <a:latin typeface="+mn-lt"/>
-                <a:ea typeface="+mn-ea"/>
-                <a:cs typeface="+mn-cs"/>
-              </a:defRPr>
-            </a:lvl1pPr>
-            <a:lvl2pPr marL="630238" indent="-273050" algn="l" rtl="0" eaLnBrk="1" fontAlgn="base" hangingPunct="1">
-              <a:lnSpc>
-                <a:spcPts val="3800"/>
-              </a:lnSpc>
-              <a:spcBef>
-                <a:spcPts val="600"/>
-              </a:spcBef>
-              <a:spcAft>
-                <a:spcPts val="600"/>
-              </a:spcAft>
-              <a:buClr>
-                <a:srgbClr val="8FD600"/>
-              </a:buClr>
-              <a:buFont typeface="Wingdings 2" pitchFamily="18" charset="2"/>
-              <a:buChar char=""/>
-              <a:defRPr sz="3000" b="1" kern="1200">
-                <a:solidFill>
-                  <a:schemeClr val="tx1">
-                    <a:lumMod val="40000"/>
-                    <a:lumOff val="60000"/>
-                  </a:schemeClr>
-                </a:solidFill>
-                <a:effectLst>
-                  <a:outerShdw blurRad="38100" dist="38100" dir="2700000" algn="tl">
-                    <a:srgbClr val="000000">
-                      <a:alpha val="43137"/>
-                    </a:srgbClr>
-                  </a:outerShdw>
-                </a:effectLst>
-                <a:latin typeface="+mn-lt"/>
-                <a:ea typeface="+mn-ea"/>
-                <a:cs typeface="+mn-cs"/>
-              </a:defRPr>
-            </a:lvl2pPr>
-            <a:lvl3pPr marL="922338" indent="-273050" algn="l" rtl="0" eaLnBrk="1" fontAlgn="base" hangingPunct="1">
-              <a:lnSpc>
-                <a:spcPts val="3800"/>
-              </a:lnSpc>
-              <a:spcBef>
-                <a:spcPts val="600"/>
-              </a:spcBef>
-              <a:spcAft>
-                <a:spcPts val="600"/>
-              </a:spcAft>
-              <a:buClr>
-                <a:srgbClr val="FFAD9F"/>
-              </a:buClr>
-              <a:buFont typeface="Wingdings 2" pitchFamily="18" charset="2"/>
-              <a:buChar char=""/>
-              <a:defRPr sz="2800" b="1" kern="1200">
-                <a:solidFill>
-                  <a:srgbClr val="F5FFC2"/>
-                </a:solidFill>
-                <a:effectLst>
-                  <a:outerShdw blurRad="38100" dist="38100" dir="2700000" algn="tl">
-                    <a:srgbClr val="000000">
-                      <a:alpha val="43137"/>
-                    </a:srgbClr>
-                  </a:outerShdw>
-                </a:effectLst>
-                <a:latin typeface="+mn-lt"/>
-                <a:ea typeface="+mn-ea"/>
-                <a:cs typeface="+mn-cs"/>
-              </a:defRPr>
-            </a:lvl3pPr>
-            <a:lvl4pPr marL="1187450" indent="-228600" algn="l" rtl="0" eaLnBrk="1" fontAlgn="base" hangingPunct="1">
-              <a:lnSpc>
-                <a:spcPts val="3800"/>
-              </a:lnSpc>
-              <a:spcBef>
-                <a:spcPts val="600"/>
-              </a:spcBef>
-              <a:spcAft>
-                <a:spcPts val="600"/>
-              </a:spcAft>
-              <a:buClr>
-                <a:srgbClr val="FACF82"/>
-              </a:buClr>
-              <a:buFont typeface="Wingdings 2" pitchFamily="18" charset="2"/>
-              <a:buChar char=""/>
-              <a:defRPr sz="2600" b="1" kern="1200">
-                <a:solidFill>
-                  <a:schemeClr val="tx1">
-                    <a:lumMod val="40000"/>
-                    <a:lumOff val="60000"/>
-                  </a:schemeClr>
-                </a:solidFill>
-                <a:effectLst>
-                  <a:outerShdw blurRad="38100" dist="38100" dir="2700000" algn="tl">
-                    <a:srgbClr val="000000">
-                      <a:alpha val="43137"/>
-                    </a:srgbClr>
-                  </a:outerShdw>
-                </a:effectLst>
-                <a:latin typeface="+mn-lt"/>
-                <a:ea typeface="+mn-ea"/>
-                <a:cs typeface="+mn-cs"/>
-              </a:defRPr>
-            </a:lvl4pPr>
-            <a:lvl5pPr marL="1425575" indent="-228600" algn="l" rtl="0" eaLnBrk="1" fontAlgn="base" hangingPunct="1">
-              <a:lnSpc>
-                <a:spcPts val="3800"/>
-              </a:lnSpc>
-              <a:spcBef>
-                <a:spcPts val="600"/>
-              </a:spcBef>
-              <a:spcAft>
-                <a:spcPts val="600"/>
-              </a:spcAft>
-              <a:buClr>
-                <a:srgbClr val="46A6BD"/>
-              </a:buClr>
-              <a:buFont typeface="Wingdings 2" pitchFamily="18" charset="2"/>
-              <a:buChar char=""/>
-              <a:defRPr sz="2400" b="1" kern="1200">
-                <a:solidFill>
-                  <a:schemeClr val="tx1">
-                    <a:lumMod val="40000"/>
-                    <a:lumOff val="60000"/>
-                  </a:schemeClr>
-                </a:solidFill>
-                <a:effectLst>
-                  <a:outerShdw blurRad="38100" dist="38100" dir="2700000" algn="tl">
-                    <a:srgbClr val="000000">
-                      <a:alpha val="43137"/>
-                    </a:srgbClr>
-                  </a:outerShdw>
-                </a:effectLst>
-                <a:latin typeface="+mn-lt"/>
-                <a:ea typeface="+mn-ea"/>
-                <a:cs typeface="+mn-cs"/>
-              </a:defRPr>
-            </a:lvl5pPr>
-            <a:lvl6pPr marL="1673352" indent="-228600" algn="l" rtl="0" eaLnBrk="1" latinLnBrk="0" hangingPunct="1">
-              <a:spcBef>
-                <a:spcPct val="20000"/>
-              </a:spcBef>
-              <a:buClr>
-                <a:schemeClr val="accent6"/>
-              </a:buClr>
-              <a:buFont typeface="Wingdings 2"/>
-              <a:buChar char=""/>
-              <a:defRPr sz="1800" kern="1200">
-                <a:solidFill>
-                  <a:schemeClr val="tx1"/>
-                </a:solidFill>
-                <a:latin typeface="+mn-lt"/>
-                <a:ea typeface="+mn-ea"/>
-                <a:cs typeface="+mn-cs"/>
-              </a:defRPr>
-            </a:lvl6pPr>
-            <a:lvl7pPr marL="1911096" indent="-228600" algn="l" rtl="0" eaLnBrk="1" latinLnBrk="0" hangingPunct="1">
-              <a:spcBef>
-                <a:spcPct val="20000"/>
-              </a:spcBef>
-              <a:buClr>
-                <a:schemeClr val="tx2"/>
-              </a:buClr>
-              <a:buFont typeface="Wingdings 2"/>
-              <a:buChar char=""/>
-              <a:defRPr sz="1600" kern="1200">
-                <a:solidFill>
-                  <a:schemeClr val="tx1"/>
-                </a:solidFill>
-                <a:latin typeface="+mn-lt"/>
-                <a:ea typeface="+mn-ea"/>
-                <a:cs typeface="+mn-cs"/>
-              </a:defRPr>
-            </a:lvl7pPr>
-            <a:lvl8pPr marL="2121408" indent="-182880" algn="l" rtl="0" eaLnBrk="1" latinLnBrk="0" hangingPunct="1">
-              <a:spcBef>
-                <a:spcPct val="20000"/>
-              </a:spcBef>
-              <a:buClr>
-                <a:schemeClr val="tx2"/>
-              </a:buClr>
-              <a:buFont typeface="Wingdings 2"/>
-              <a:buChar char=""/>
-              <a:defRPr sz="1400" kern="1200">
-                <a:solidFill>
-                  <a:schemeClr val="tx1"/>
-                </a:solidFill>
-                <a:latin typeface="+mn-lt"/>
-                <a:ea typeface="+mn-ea"/>
-                <a:cs typeface="+mn-cs"/>
-              </a:defRPr>
-            </a:lvl8pPr>
-            <a:lvl9pPr marL="2322576" indent="-182880" algn="l" rtl="0" eaLnBrk="1" latinLnBrk="0" hangingPunct="1">
-              <a:spcBef>
-                <a:spcPct val="20000"/>
-              </a:spcBef>
-              <a:buClr>
-                <a:schemeClr val="tx2"/>
-              </a:buClr>
-              <a:buFont typeface="Wingdings 2"/>
-              <a:buChar char=""/>
-              <a:defRPr sz="1400" kern="1200">
-                <a:solidFill>
-                  <a:schemeClr val="tx1"/>
-                </a:solidFill>
-                <a:latin typeface="+mn-lt"/>
-                <a:ea typeface="+mn-ea"/>
-                <a:cs typeface="+mn-cs"/>
-              </a:defRPr>
-            </a:lvl9pPr>
-          </a:lstStyle>
-          <a:p>
-            <a:pPr marL="514350" indent="-514350">
-              <a:buFont typeface="+mj-lt"/>
-              <a:buAutoNum type="arabicPeriod"/>
-              <a:tabLst/>
-            </a:pPr>
-            <a:r>
-              <a:rPr lang="en-US" sz="2800" dirty="0" smtClean="0"/>
-              <a:t>Create the following page section using HTML and external CSS (no inline styles). Use a table or a definition list (in this case the layout will be different).</a:t>
-            </a:r>
-            <a:endParaRPr lang="en-US" sz="2800" dirty="0"/>
-          </a:p>
-          <a:p>
-            <a:pPr marL="0" indent="0">
-              <a:buNone/>
-            </a:pPr>
-            <a:endParaRPr lang="en-US" sz="2800" dirty="0" smtClean="0"/>
-          </a:p>
-          <a:p>
-            <a:pPr marL="514350" indent="-514350">
-              <a:buFont typeface="+mj-lt"/>
-              <a:buAutoNum type="arabicPeriod"/>
-            </a:pPr>
-            <a:endParaRPr lang="en-US" sz="2800" dirty="0"/>
-          </a:p>
-        </p:txBody>
-      </p:sp>
-      <p:pic>
-        <p:nvPicPr>
-          <p:cNvPr id="2051" name="Picture 3"/>
-          <p:cNvPicPr>
-            <a:picLocks noChangeAspect="1" noChangeArrowheads="1"/>
-          </p:cNvPicPr>
-          <p:nvPr/>
-        </p:nvPicPr>
-        <p:blipFill rotWithShape="1">
-          <a:blip r:embed="rId2" cstate="screen">
-            <a:extLst>
-              <a:ext uri="{28A0092B-C50C-407E-A947-70E740481C1C}">
-                <a14:useLocalDpi xmlns:a14="http://schemas.microsoft.com/office/drawing/2010/main"/>
-              </a:ext>
-            </a:extLst>
-          </a:blip>
-          <a:srcRect/>
-          <a:stretch/>
-        </p:blipFill>
-        <p:spPr bwMode="auto">
-          <a:xfrm>
-            <a:off x="2209800" y="3039076"/>
-            <a:ext cx="4724400" cy="3180148"/>
-          </a:xfrm>
-          <a:prstGeom prst="rect">
-            <a:avLst/>
-          </a:prstGeom>
-          <a:noFill/>
-          <a:ln w="9525">
-            <a:noFill/>
-            <a:miter lim="800000"/>
-            <a:headEnd/>
-            <a:tailEnd/>
-          </a:ln>
-        </p:spPr>
-      </p:pic>
-    </p:spTree>
-    <p:extLst>
-      <p:ext uri="{BB962C8B-B14F-4D97-AF65-F5344CB8AC3E}">
-        <p14:creationId xmlns:p14="http://schemas.microsoft.com/office/powerpoint/2010/main" val="4157673469"/>
-      </p:ext>
-    </p:extLst>
-  </p:cSld>
-  <p:clrMapOvr>
-    <a:masterClrMapping/>
-  </p:clrMapOvr>
-  <p:timing>
-    <p:tnLst>
-      <p:par>
-        <p:cTn id="1" dur="indefinite" restart="never" nodeType="tmRoot"/>
-      </p:par>
-    </p:tnLst>
-  </p:timing>
-</p:sld>
-</file>
-
-<file path=ppt/slides/slide66.xml><?xml version="1.0" encoding="utf-8"?>
-<p:sld xmlns:a="http://schemas.openxmlformats.org/drawingml/2006/main" xmlns:r="http://schemas.openxmlformats.org/officeDocument/2006/relationships" xmlns:p="http://schemas.openxmlformats.org/presentationml/2006/main">
-  <p:cSld>
-    <p:spTree>
-      <p:nvGrpSpPr>
-        <p:cNvPr id="1" name=""/>
-        <p:cNvGrpSpPr/>
-        <p:nvPr/>
-      </p:nvGrpSpPr>
-      <p:grpSpPr>
-        <a:xfrm>
-          <a:off x="0" y="0"/>
-          <a:ext cx="0" cy="0"/>
-          <a:chOff x="0" y="0"/>
-          <a:chExt cx="0" cy="0"/>
-        </a:xfrm>
-      </p:grpSpPr>
-      <p:sp>
-        <p:nvSpPr>
-          <p:cNvPr id="2" name="Title 1"/>
-          <p:cNvSpPr>
-            <a:spLocks noGrp="1"/>
-          </p:cNvSpPr>
-          <p:nvPr>
-            <p:ph type="title"/>
-          </p:nvPr>
-        </p:nvSpPr>
-        <p:spPr/>
-        <p:txBody>
-          <a:bodyPr/>
-          <a:lstStyle/>
-          <a:p>
-            <a:r>
-              <a:rPr lang="en-US" dirty="0" smtClean="0"/>
-              <a:t>Homework (</a:t>
-            </a:r>
-            <a:r>
-              <a:rPr lang="en-US" dirty="0"/>
-              <a:t>2</a:t>
-            </a:r>
-            <a:r>
-              <a:rPr lang="en-US" dirty="0" smtClean="0"/>
-              <a:t>)</a:t>
-            </a:r>
-            <a:endParaRPr lang="en-US" dirty="0"/>
-          </a:p>
-        </p:txBody>
-      </p:sp>
-      <p:sp>
-        <p:nvSpPr>
-          <p:cNvPr id="4" name="Slide Number Placeholder 3"/>
-          <p:cNvSpPr>
-            <a:spLocks noGrp="1"/>
-          </p:cNvSpPr>
-          <p:nvPr>
-            <p:ph type="sldNum" sz="quarter" idx="10"/>
-          </p:nvPr>
-        </p:nvSpPr>
-        <p:spPr/>
-        <p:txBody>
-          <a:bodyPr/>
-          <a:lstStyle/>
-          <a:p>
-            <a:pPr>
-              <a:defRPr/>
-            </a:pPr>
-            <a:fld id="{58452FF4-89E3-4D1B-9927-2DBDC00E58D7}" type="slidenum">
-              <a:rPr lang="en-US" smtClean="0"/>
-              <a:pPr>
-                <a:defRPr/>
-              </a:pPr>
-              <a:t>66</a:t>
-            </a:fld>
-            <a:endParaRPr lang="en-US" dirty="0"/>
-          </a:p>
-        </p:txBody>
-      </p:sp>
-      <p:sp>
-        <p:nvSpPr>
-          <p:cNvPr id="7" name="Content Placeholder 2"/>
-          <p:cNvSpPr txBox="1">
-            <a:spLocks/>
-          </p:cNvSpPr>
-          <p:nvPr/>
-        </p:nvSpPr>
-        <p:spPr>
-          <a:xfrm>
-            <a:off x="228599" y="1066800"/>
-            <a:ext cx="8686801" cy="5410200"/>
-          </a:xfrm>
-          <a:prstGeom prst="rect">
-            <a:avLst/>
-          </a:prstGeom>
-        </p:spPr>
-        <p:txBody>
-          <a:bodyPr/>
-          <a:lstStyle>
-            <a:lvl1pPr marL="282575" indent="-282575" algn="l" rtl="0" eaLnBrk="1" fontAlgn="base" hangingPunct="1">
-              <a:lnSpc>
-                <a:spcPts val="3800"/>
-              </a:lnSpc>
-              <a:spcBef>
-                <a:spcPts val="600"/>
-              </a:spcBef>
-              <a:spcAft>
-                <a:spcPts val="600"/>
-              </a:spcAft>
-              <a:buClr>
-                <a:schemeClr val="accent5">
-                  <a:lumMod val="40000"/>
-                  <a:lumOff val="60000"/>
-                </a:schemeClr>
-              </a:buClr>
-              <a:buSzPct val="70000"/>
-              <a:buFont typeface="Wingdings 2" pitchFamily="18" charset="2"/>
-              <a:buChar char=""/>
-              <a:tabLst>
-                <a:tab pos="282575" algn="l"/>
-              </a:tabLst>
-              <a:defRPr sz="3200" b="1" kern="1200">
-                <a:solidFill>
-                  <a:srgbClr val="EBFFD2"/>
-                </a:solidFill>
-                <a:effectLst>
-                  <a:outerShdw blurRad="38100" dist="38100" dir="2700000" algn="tl">
-                    <a:srgbClr val="000000">
-                      <a:alpha val="43137"/>
-                    </a:srgbClr>
-                  </a:outerShdw>
-                </a:effectLst>
-                <a:latin typeface="+mn-lt"/>
-                <a:ea typeface="+mn-ea"/>
-                <a:cs typeface="+mn-cs"/>
-              </a:defRPr>
-            </a:lvl1pPr>
-            <a:lvl2pPr marL="630238" indent="-273050" algn="l" rtl="0" eaLnBrk="1" fontAlgn="base" hangingPunct="1">
-              <a:lnSpc>
-                <a:spcPts val="3800"/>
-              </a:lnSpc>
-              <a:spcBef>
-                <a:spcPts val="600"/>
-              </a:spcBef>
-              <a:spcAft>
-                <a:spcPts val="600"/>
-              </a:spcAft>
-              <a:buClr>
-                <a:srgbClr val="8FD600"/>
-              </a:buClr>
-              <a:buFont typeface="Wingdings 2" pitchFamily="18" charset="2"/>
-              <a:buChar char=""/>
-              <a:defRPr sz="3000" b="1" kern="1200">
-                <a:solidFill>
-                  <a:schemeClr val="tx1">
-                    <a:lumMod val="40000"/>
-                    <a:lumOff val="60000"/>
-                  </a:schemeClr>
-                </a:solidFill>
-                <a:effectLst>
-                  <a:outerShdw blurRad="38100" dist="38100" dir="2700000" algn="tl">
-                    <a:srgbClr val="000000">
-                      <a:alpha val="43137"/>
-                    </a:srgbClr>
-                  </a:outerShdw>
-                </a:effectLst>
-                <a:latin typeface="+mn-lt"/>
-                <a:ea typeface="+mn-ea"/>
-                <a:cs typeface="+mn-cs"/>
-              </a:defRPr>
-            </a:lvl2pPr>
-            <a:lvl3pPr marL="922338" indent="-273050" algn="l" rtl="0" eaLnBrk="1" fontAlgn="base" hangingPunct="1">
-              <a:lnSpc>
-                <a:spcPts val="3800"/>
-              </a:lnSpc>
-              <a:spcBef>
-                <a:spcPts val="600"/>
-              </a:spcBef>
-              <a:spcAft>
-                <a:spcPts val="600"/>
-              </a:spcAft>
-              <a:buClr>
-                <a:srgbClr val="FFAD9F"/>
-              </a:buClr>
-              <a:buFont typeface="Wingdings 2" pitchFamily="18" charset="2"/>
-              <a:buChar char=""/>
-              <a:defRPr sz="2800" b="1" kern="1200">
-                <a:solidFill>
-                  <a:srgbClr val="F5FFC2"/>
-                </a:solidFill>
-                <a:effectLst>
-                  <a:outerShdw blurRad="38100" dist="38100" dir="2700000" algn="tl">
-                    <a:srgbClr val="000000">
-                      <a:alpha val="43137"/>
-                    </a:srgbClr>
-                  </a:outerShdw>
-                </a:effectLst>
-                <a:latin typeface="+mn-lt"/>
-                <a:ea typeface="+mn-ea"/>
-                <a:cs typeface="+mn-cs"/>
-              </a:defRPr>
-            </a:lvl3pPr>
-            <a:lvl4pPr marL="1187450" indent="-228600" algn="l" rtl="0" eaLnBrk="1" fontAlgn="base" hangingPunct="1">
-              <a:lnSpc>
-                <a:spcPts val="3800"/>
-              </a:lnSpc>
-              <a:spcBef>
-                <a:spcPts val="600"/>
-              </a:spcBef>
-              <a:spcAft>
-                <a:spcPts val="600"/>
-              </a:spcAft>
-              <a:buClr>
-                <a:srgbClr val="FACF82"/>
-              </a:buClr>
-              <a:buFont typeface="Wingdings 2" pitchFamily="18" charset="2"/>
-              <a:buChar char=""/>
-              <a:defRPr sz="2600" b="1" kern="1200">
-                <a:solidFill>
-                  <a:schemeClr val="tx1">
-                    <a:lumMod val="40000"/>
-                    <a:lumOff val="60000"/>
-                  </a:schemeClr>
-                </a:solidFill>
-                <a:effectLst>
-                  <a:outerShdw blurRad="38100" dist="38100" dir="2700000" algn="tl">
-                    <a:srgbClr val="000000">
-                      <a:alpha val="43137"/>
-                    </a:srgbClr>
-                  </a:outerShdw>
-                </a:effectLst>
-                <a:latin typeface="+mn-lt"/>
-                <a:ea typeface="+mn-ea"/>
-                <a:cs typeface="+mn-cs"/>
-              </a:defRPr>
-            </a:lvl4pPr>
-            <a:lvl5pPr marL="1425575" indent="-228600" algn="l" rtl="0" eaLnBrk="1" fontAlgn="base" hangingPunct="1">
-              <a:lnSpc>
-                <a:spcPts val="3800"/>
-              </a:lnSpc>
-              <a:spcBef>
-                <a:spcPts val="600"/>
-              </a:spcBef>
-              <a:spcAft>
-                <a:spcPts val="600"/>
-              </a:spcAft>
-              <a:buClr>
-                <a:srgbClr val="46A6BD"/>
-              </a:buClr>
-              <a:buFont typeface="Wingdings 2" pitchFamily="18" charset="2"/>
-              <a:buChar char=""/>
-              <a:defRPr sz="2400" b="1" kern="1200">
-                <a:solidFill>
-                  <a:schemeClr val="tx1">
-                    <a:lumMod val="40000"/>
-                    <a:lumOff val="60000"/>
-                  </a:schemeClr>
-                </a:solidFill>
-                <a:effectLst>
-                  <a:outerShdw blurRad="38100" dist="38100" dir="2700000" algn="tl">
-                    <a:srgbClr val="000000">
-                      <a:alpha val="43137"/>
-                    </a:srgbClr>
-                  </a:outerShdw>
-                </a:effectLst>
-                <a:latin typeface="+mn-lt"/>
-                <a:ea typeface="+mn-ea"/>
-                <a:cs typeface="+mn-cs"/>
-              </a:defRPr>
-            </a:lvl5pPr>
-            <a:lvl6pPr marL="1673352" indent="-228600" algn="l" rtl="0" eaLnBrk="1" latinLnBrk="0" hangingPunct="1">
-              <a:spcBef>
-                <a:spcPct val="20000"/>
-              </a:spcBef>
-              <a:buClr>
-                <a:schemeClr val="accent6"/>
-              </a:buClr>
-              <a:buFont typeface="Wingdings 2"/>
-              <a:buChar char=""/>
-              <a:defRPr sz="1800" kern="1200">
-                <a:solidFill>
-                  <a:schemeClr val="tx1"/>
-                </a:solidFill>
-                <a:latin typeface="+mn-lt"/>
-                <a:ea typeface="+mn-ea"/>
-                <a:cs typeface="+mn-cs"/>
-              </a:defRPr>
-            </a:lvl6pPr>
-            <a:lvl7pPr marL="1911096" indent="-228600" algn="l" rtl="0" eaLnBrk="1" latinLnBrk="0" hangingPunct="1">
-              <a:spcBef>
-                <a:spcPct val="20000"/>
-              </a:spcBef>
-              <a:buClr>
-                <a:schemeClr val="tx2"/>
-              </a:buClr>
-              <a:buFont typeface="Wingdings 2"/>
-              <a:buChar char=""/>
-              <a:defRPr sz="1600" kern="1200">
-                <a:solidFill>
-                  <a:schemeClr val="tx1"/>
-                </a:solidFill>
-                <a:latin typeface="+mn-lt"/>
-                <a:ea typeface="+mn-ea"/>
-                <a:cs typeface="+mn-cs"/>
-              </a:defRPr>
-            </a:lvl7pPr>
-            <a:lvl8pPr marL="2121408" indent="-182880" algn="l" rtl="0" eaLnBrk="1" latinLnBrk="0" hangingPunct="1">
-              <a:spcBef>
-                <a:spcPct val="20000"/>
-              </a:spcBef>
-              <a:buClr>
-                <a:schemeClr val="tx2"/>
-              </a:buClr>
-              <a:buFont typeface="Wingdings 2"/>
-              <a:buChar char=""/>
-              <a:defRPr sz="1400" kern="1200">
-                <a:solidFill>
-                  <a:schemeClr val="tx1"/>
-                </a:solidFill>
-                <a:latin typeface="+mn-lt"/>
-                <a:ea typeface="+mn-ea"/>
-                <a:cs typeface="+mn-cs"/>
-              </a:defRPr>
-            </a:lvl8pPr>
-            <a:lvl9pPr marL="2322576" indent="-182880" algn="l" rtl="0" eaLnBrk="1" latinLnBrk="0" hangingPunct="1">
-              <a:spcBef>
-                <a:spcPct val="20000"/>
-              </a:spcBef>
-              <a:buClr>
-                <a:schemeClr val="tx2"/>
-              </a:buClr>
-              <a:buFont typeface="Wingdings 2"/>
-              <a:buChar char=""/>
-              <a:defRPr sz="1400" kern="1200">
-                <a:solidFill>
-                  <a:schemeClr val="tx1"/>
-                </a:solidFill>
-                <a:latin typeface="+mn-lt"/>
-                <a:ea typeface="+mn-ea"/>
-                <a:cs typeface="+mn-cs"/>
-              </a:defRPr>
-            </a:lvl9pPr>
-          </a:lstStyle>
-          <a:p>
-            <a:pPr marL="514350" indent="-514350">
-              <a:buFont typeface="+mj-lt"/>
-              <a:buAutoNum type="arabicPeriod" startAt="2"/>
-              <a:tabLst/>
-            </a:pPr>
-            <a:r>
-              <a:rPr lang="en-US" sz="2800" dirty="0" smtClean="0"/>
-              <a:t>Create the following Web page using external CSS styles. </a:t>
-            </a:r>
-          </a:p>
-          <a:p>
-            <a:pPr marL="514350" indent="-514350">
-              <a:buFont typeface="+mj-lt"/>
-              <a:buAutoNum type="arabicPeriod" startAt="2"/>
-              <a:tabLst/>
-            </a:pPr>
-            <a:endParaRPr lang="en-US" sz="2800" dirty="0"/>
-          </a:p>
-          <a:p>
-            <a:pPr marL="514350" indent="-514350">
-              <a:buFont typeface="+mj-lt"/>
-              <a:buAutoNum type="arabicPeriod" startAt="2"/>
-              <a:tabLst/>
-            </a:pPr>
-            <a:endParaRPr lang="en-US" sz="2800" dirty="0" smtClean="0"/>
-          </a:p>
-          <a:p>
-            <a:pPr marL="514350" indent="-514350">
-              <a:buFont typeface="+mj-lt"/>
-              <a:buAutoNum type="arabicPeriod" startAt="2"/>
-              <a:tabLst/>
-            </a:pPr>
-            <a:endParaRPr lang="en-US" sz="2800" dirty="0"/>
-          </a:p>
-          <a:p>
-            <a:pPr marL="514350" indent="-514350">
-              <a:buFont typeface="+mj-lt"/>
-              <a:buAutoNum type="arabicPeriod" startAt="2"/>
-              <a:tabLst/>
-            </a:pPr>
-            <a:endParaRPr lang="en-US" sz="2800" dirty="0" smtClean="0"/>
-          </a:p>
-          <a:p>
-            <a:pPr marL="514350" indent="-514350">
-              <a:buFont typeface="+mj-lt"/>
-              <a:buAutoNum type="arabicPeriod" startAt="2"/>
-              <a:tabLst/>
-            </a:pPr>
-            <a:r>
-              <a:rPr lang="en-US" sz="2800" dirty="0"/>
-              <a:t>Create a web page using the </a:t>
-            </a:r>
-            <a:br>
-              <a:rPr lang="en-US" sz="2800" dirty="0"/>
-            </a:br>
-            <a:r>
-              <a:rPr lang="en-US" sz="2800" dirty="0">
-                <a:solidFill>
-                  <a:schemeClr val="accent5">
-                    <a:lumMod val="20000"/>
-                    <a:lumOff val="80000"/>
-                  </a:schemeClr>
-                </a:solidFill>
-              </a:rPr>
-              <a:t>homework-3.png</a:t>
-            </a:r>
-            <a:r>
-              <a:rPr lang="en-US" sz="2800" dirty="0"/>
-              <a:t> design and the HTML markup in </a:t>
-            </a:r>
-            <a:r>
-              <a:rPr lang="en-US" sz="2800" dirty="0">
-                <a:solidFill>
-                  <a:schemeClr val="accent5">
-                    <a:lumMod val="20000"/>
-                    <a:lumOff val="80000"/>
-                  </a:schemeClr>
-                </a:solidFill>
-              </a:rPr>
-              <a:t>homework-3.html</a:t>
-            </a:r>
-            <a:r>
-              <a:rPr lang="en-US" sz="2800" dirty="0" smtClean="0"/>
-              <a:t>.</a:t>
-            </a:r>
-            <a:endParaRPr lang="en-US" sz="2800" dirty="0"/>
-          </a:p>
-        </p:txBody>
-      </p:sp>
-      <p:pic>
-        <p:nvPicPr>
-          <p:cNvPr id="3075" name="Picture 3"/>
-          <p:cNvPicPr>
-            <a:picLocks noChangeAspect="1" noChangeArrowheads="1"/>
-          </p:cNvPicPr>
-          <p:nvPr/>
-        </p:nvPicPr>
-        <p:blipFill rotWithShape="1">
-          <a:blip r:embed="rId2" cstate="screen">
-            <a:extLst>
-              <a:ext uri="{28A0092B-C50C-407E-A947-70E740481C1C}">
-                <a14:useLocalDpi xmlns:a14="http://schemas.microsoft.com/office/drawing/2010/main"/>
-              </a:ext>
-            </a:extLst>
-          </a:blip>
-          <a:srcRect/>
-          <a:stretch/>
-        </p:blipFill>
-        <p:spPr bwMode="auto">
-          <a:xfrm>
-            <a:off x="634122" y="2256972"/>
-            <a:ext cx="7875756" cy="2311400"/>
-          </a:xfrm>
-          <a:prstGeom prst="rect">
-            <a:avLst/>
-          </a:prstGeom>
-          <a:noFill/>
-          <a:ln w="9525">
-            <a:noFill/>
-            <a:miter lim="800000"/>
-            <a:headEnd/>
-            <a:tailEnd/>
-          </a:ln>
-        </p:spPr>
-      </p:pic>
-    </p:spTree>
-    <p:extLst>
-      <p:ext uri="{BB962C8B-B14F-4D97-AF65-F5344CB8AC3E}">
-        <p14:creationId xmlns:p14="http://schemas.microsoft.com/office/powerpoint/2010/main" val="702847955"/>
-      </p:ext>
-    </p:extLst>
-  </p:cSld>
-  <p:clrMapOvr>
-    <a:masterClrMapping/>
-  </p:clrMapOvr>
-  <p:timing>
-    <p:tnLst>
-      <p:par>
-        <p:cTn id="1" dur="indefinite" restart="never" nodeType="tmRoot"/>
-      </p:par>
-    </p:tnLst>
-  </p:timing>
-</p:sld>
-</file>
-
-<file path=ppt/slides/slide67.xml><?xml version="1.0" encoding="utf-8"?>
 <p:sld xmlns:a="http://schemas.openxmlformats.org/drawingml/2006/main" xmlns:r="http://schemas.openxmlformats.org/officeDocument/2006/relationships" xmlns:p="http://schemas.openxmlformats.org/presentationml/2006/main">
   <p:cSld>
     <p:spTree>
